--- a/lectures/week8/lecture1/slides/week8_lecture1.pptx
+++ b/lectures/week8/lecture1/slides/week8_lecture1.pptx
@@ -1968,7 +1968,12 @@
             <p:ph type="ctrTitle"/>
           </p:nvPr>
         </p:nvSpPr>
-        <p:spPr/>
+        <p:spPr>
+          <a:xfrm>
+            <a:off x="335946" y="2027134"/>
+            <a:ext cx="11391065" cy="893580"/>
+          </a:xfrm>
+        </p:spPr>
         <p:txBody>
           <a:bodyPr>
             <a:normAutofit/>
@@ -2018,7 +2023,12 @@
             <p:ph type="subTitle" idx="1"/>
           </p:nvPr>
         </p:nvSpPr>
-        <p:spPr/>
+        <p:spPr>
+          <a:xfrm>
+            <a:off x="335945" y="3109406"/>
+            <a:ext cx="11391065" cy="1655762"/>
+          </a:xfrm>
+        </p:spPr>
         <p:txBody>
           <a:bodyPr/>
           <a:lstStyle/>
@@ -2095,6 +2105,346 @@
               </a:rPr>
               <a:t>)</a:t>
             </a:r>
+          </a:p>
+        </p:txBody>
+      </p:sp>
+      <p:sp>
+        <p:nvSpPr>
+          <p:cNvPr id="4" name="TextBox 3">
+            <a:extLst>
+              <a:ext uri="{FF2B5EF4-FFF2-40B4-BE49-F238E27FC236}">
+                <a16:creationId xmlns:a16="http://schemas.microsoft.com/office/drawing/2014/main" id="{571584D6-C3FC-CBE1-BBE9-818984E915B1}"/>
+              </a:ext>
+            </a:extLst>
+          </p:cNvPr>
+          <p:cNvSpPr txBox="1"/>
+          <p:nvPr/>
+        </p:nvSpPr>
+        <p:spPr>
+          <a:xfrm>
+            <a:off x="335947" y="4426565"/>
+            <a:ext cx="7580601" cy="2431435"/>
+          </a:xfrm>
+          <a:prstGeom prst="rect">
+            <a:avLst/>
+          </a:prstGeom>
+          <a:noFill/>
+        </p:spPr>
+        <p:txBody>
+          <a:bodyPr wrap="none" rtlCol="0">
+            <a:spAutoFit/>
+          </a:bodyPr>
+          <a:lstStyle/>
+          <a:p>
+            <a:r>
+              <a:rPr lang="en-US" sz="2000" b="1" dirty="0">
+                <a:solidFill>
+                  <a:srgbClr val="CC99FF"/>
+                </a:solidFill>
+              </a:rPr>
+              <a:t>While waiting, open the </a:t>
+            </a:r>
+            <a:r>
+              <a:rPr lang="en-US" sz="2000" b="1" dirty="0" err="1">
+                <a:solidFill>
+                  <a:srgbClr val="CC99FF"/>
+                </a:solidFill>
+              </a:rPr>
+              <a:t>Jupyter</a:t>
+            </a:r>
+            <a:r>
+              <a:rPr lang="en-US" sz="2000" b="1" dirty="0">
+                <a:solidFill>
+                  <a:srgbClr val="CC99FF"/>
+                </a:solidFill>
+              </a:rPr>
+              <a:t> Notebook for today’s lecture</a:t>
+            </a:r>
+          </a:p>
+          <a:p>
+            <a:endParaRPr lang="en-US" sz="2000" b="1" dirty="0">
+              <a:solidFill>
+                <a:srgbClr val="CC99FF"/>
+              </a:solidFill>
+            </a:endParaRPr>
+          </a:p>
+          <a:p>
+            <a:r>
+              <a:rPr lang="en-US" sz="1600" b="1" dirty="0">
+                <a:solidFill>
+                  <a:srgbClr val="CC99FF"/>
+                </a:solidFill>
+              </a:rPr>
+              <a:t>Upcoming</a:t>
+            </a:r>
+            <a:r>
+              <a:rPr lang="en-US" sz="1600" dirty="0">
+                <a:solidFill>
+                  <a:srgbClr val="CC99FF"/>
+                </a:solidFill>
+              </a:rPr>
+              <a:t>.</a:t>
+            </a:r>
+            <a:endParaRPr lang="en-US" sz="1600" dirty="0">
+              <a:solidFill>
+                <a:srgbClr val="66FF99"/>
+              </a:solidFill>
+            </a:endParaRPr>
+          </a:p>
+          <a:p>
+            <a:pPr marL="285750" indent="-285750">
+              <a:buClr>
+                <a:srgbClr val="CC99FF"/>
+              </a:buClr>
+              <a:buFont typeface="Wingdings" panose="05000000000000000000" pitchFamily="2" charset="2"/>
+              <a:buChar char="§"/>
+            </a:pPr>
+            <a:r>
+              <a:rPr lang="en-US" sz="1600" dirty="0">
+                <a:solidFill>
+                  <a:srgbClr val="66FF99"/>
+                </a:solidFill>
+              </a:rPr>
+              <a:t>Lab 5 Due Friday 11:59 pm</a:t>
+            </a:r>
+            <a:r>
+              <a:rPr lang="en-US" sz="1600" dirty="0">
+                <a:solidFill>
+                  <a:srgbClr val="CC99FF"/>
+                </a:solidFill>
+              </a:rPr>
+              <a:t>.</a:t>
+            </a:r>
+            <a:endParaRPr lang="en-US" sz="1600" dirty="0">
+              <a:solidFill>
+                <a:srgbClr val="66FF99"/>
+              </a:solidFill>
+            </a:endParaRPr>
+          </a:p>
+          <a:p>
+            <a:pPr marL="285750" indent="-285750">
+              <a:buClr>
+                <a:srgbClr val="CC99FF"/>
+              </a:buClr>
+              <a:buFont typeface="Wingdings" panose="05000000000000000000" pitchFamily="2" charset="2"/>
+              <a:buChar char="§"/>
+            </a:pPr>
+            <a:r>
+              <a:rPr lang="en-US" sz="1600" dirty="0">
+                <a:solidFill>
+                  <a:srgbClr val="66FF99"/>
+                </a:solidFill>
+              </a:rPr>
+              <a:t>Lab 6 Released Thursday 6:00 pm</a:t>
+            </a:r>
+            <a:r>
+              <a:rPr lang="en-US" sz="1600" dirty="0">
+                <a:solidFill>
+                  <a:srgbClr val="CC99FF"/>
+                </a:solidFill>
+              </a:rPr>
+              <a:t>.</a:t>
+            </a:r>
+            <a:endParaRPr lang="en-US" sz="1600" dirty="0">
+              <a:solidFill>
+                <a:srgbClr val="66FF99"/>
+              </a:solidFill>
+            </a:endParaRPr>
+          </a:p>
+          <a:p>
+            <a:pPr marL="285750" indent="-285750">
+              <a:buClr>
+                <a:srgbClr val="CC99FF"/>
+              </a:buClr>
+              <a:buFont typeface="Wingdings" panose="05000000000000000000" pitchFamily="2" charset="2"/>
+              <a:buChar char="§"/>
+            </a:pPr>
+            <a:r>
+              <a:rPr lang="en-US" sz="1600" dirty="0">
+                <a:solidFill>
+                  <a:srgbClr val="66FF99"/>
+                </a:solidFill>
+              </a:rPr>
+              <a:t>Reflection 8 Released Friday 6:00 pm</a:t>
+            </a:r>
+            <a:r>
+              <a:rPr lang="en-US" sz="1600" dirty="0">
+                <a:solidFill>
+                  <a:srgbClr val="CC99FF"/>
+                </a:solidFill>
+              </a:rPr>
+              <a:t>.</a:t>
+            </a:r>
+            <a:endParaRPr lang="en-US" sz="1600" dirty="0">
+              <a:solidFill>
+                <a:srgbClr val="66FF99"/>
+              </a:solidFill>
+            </a:endParaRPr>
+          </a:p>
+          <a:p>
+            <a:pPr marL="285750" indent="-285750">
+              <a:buClr>
+                <a:srgbClr val="CC99FF"/>
+              </a:buClr>
+              <a:buFont typeface="Wingdings" panose="05000000000000000000" pitchFamily="2" charset="2"/>
+              <a:buChar char="§"/>
+            </a:pPr>
+            <a:r>
+              <a:rPr lang="en-US" sz="1600" dirty="0">
+                <a:solidFill>
+                  <a:srgbClr val="66FF99"/>
+                </a:solidFill>
+              </a:rPr>
+              <a:t>Tutorial (in-person AND online) running all week</a:t>
+            </a:r>
+            <a:r>
+              <a:rPr lang="en-US" sz="1600" dirty="0">
+                <a:solidFill>
+                  <a:srgbClr val="CC99FF"/>
+                </a:solidFill>
+              </a:rPr>
+              <a:t>.</a:t>
+            </a:r>
+          </a:p>
+          <a:p>
+            <a:pPr marL="285750" indent="-285750">
+              <a:buClr>
+                <a:srgbClr val="CC99FF"/>
+              </a:buClr>
+              <a:buFont typeface="Wingdings" panose="05000000000000000000" pitchFamily="2" charset="2"/>
+              <a:buChar char="§"/>
+            </a:pPr>
+            <a:r>
+              <a:rPr lang="en-US" sz="1600" dirty="0">
+                <a:solidFill>
+                  <a:srgbClr val="66FF99"/>
+                </a:solidFill>
+              </a:rPr>
+              <a:t>Practical sessions (in-person AND online) running ONLY Friday this week</a:t>
+            </a:r>
+            <a:r>
+              <a:rPr lang="en-US" sz="1600" dirty="0">
+                <a:solidFill>
+                  <a:srgbClr val="CC99FF"/>
+                </a:solidFill>
+              </a:rPr>
+              <a:t>.</a:t>
+            </a:r>
+          </a:p>
+          <a:p>
+            <a:pPr marL="285750" indent="-285750">
+              <a:buClr>
+                <a:srgbClr val="CC99FF"/>
+              </a:buClr>
+              <a:buFont typeface="Wingdings" panose="05000000000000000000" pitchFamily="2" charset="2"/>
+              <a:buChar char="§"/>
+            </a:pPr>
+            <a:endParaRPr lang="en-US" sz="1600" dirty="0">
+              <a:solidFill>
+                <a:srgbClr val="CC99FF"/>
+              </a:solidFill>
+            </a:endParaRPr>
+          </a:p>
+        </p:txBody>
+      </p:sp>
+      <p:pic>
+        <p:nvPicPr>
+          <p:cNvPr id="6" name="Picture 5" descr="A group of symbols with text&#10;&#10;AI-generated content may be incorrect.">
+            <a:extLst>
+              <a:ext uri="{FF2B5EF4-FFF2-40B4-BE49-F238E27FC236}">
+                <a16:creationId xmlns:a16="http://schemas.microsoft.com/office/drawing/2014/main" id="{9441F453-E373-9AE0-AB4B-EA61AEC79D53}"/>
+              </a:ext>
+            </a:extLst>
+          </p:cNvPr>
+          <p:cNvPicPr>
+            <a:picLocks noChangeAspect="1"/>
+          </p:cNvPicPr>
+          <p:nvPr/>
+        </p:nvPicPr>
+        <p:blipFill>
+          <a:blip r:embed="rId2">
+            <a:extLst>
+              <a:ext uri="{28A0092B-C50C-407E-A947-70E740481C1C}">
+                <a14:useLocalDpi xmlns:a14="http://schemas.microsoft.com/office/drawing/2010/main" val="0"/>
+              </a:ext>
+            </a:extLst>
+          </a:blip>
+          <a:stretch>
+            <a:fillRect/>
+          </a:stretch>
+        </p:blipFill>
+        <p:spPr>
+          <a:xfrm>
+            <a:off x="7916548" y="1717964"/>
+            <a:ext cx="4077611" cy="3924318"/>
+          </a:xfrm>
+          <a:prstGeom prst="rect">
+            <a:avLst/>
+          </a:prstGeom>
+        </p:spPr>
+      </p:pic>
+      <p:sp>
+        <p:nvSpPr>
+          <p:cNvPr id="7" name="TextBox 6">
+            <a:extLst>
+              <a:ext uri="{FF2B5EF4-FFF2-40B4-BE49-F238E27FC236}">
+                <a16:creationId xmlns:a16="http://schemas.microsoft.com/office/drawing/2014/main" id="{4843F244-4743-F1F7-A3F4-620B58D9C7FA}"/>
+              </a:ext>
+            </a:extLst>
+          </p:cNvPr>
+          <p:cNvSpPr txBox="1"/>
+          <p:nvPr/>
+        </p:nvSpPr>
+        <p:spPr>
+          <a:xfrm rot="20081508">
+            <a:off x="6673486" y="1845495"/>
+            <a:ext cx="3669594" cy="369332"/>
+          </a:xfrm>
+          <a:prstGeom prst="rect">
+            <a:avLst/>
+          </a:prstGeom>
+          <a:solidFill>
+            <a:srgbClr val="FFFFFF"/>
+          </a:solidFill>
+        </p:spPr>
+        <p:txBody>
+          <a:bodyPr wrap="none" rtlCol="0">
+            <a:spAutoFit/>
+          </a:bodyPr>
+          <a:lstStyle/>
+          <a:p>
+            <a:r>
+              <a:rPr lang="en-CA" b="1" u="sng" dirty="0">
+                <a:solidFill>
+                  <a:schemeClr val="accent6">
+                    <a:lumMod val="75000"/>
+                  </a:schemeClr>
+                </a:solidFill>
+              </a:rPr>
+              <a:t>Not</a:t>
+            </a:r>
+            <a:r>
+              <a:rPr lang="en-CA" b="1" u="sng" dirty="0">
+                <a:solidFill>
+                  <a:schemeClr val="accent1"/>
+                </a:solidFill>
+              </a:rPr>
+              <a:t> for use on APS106 exams </a:t>
+            </a:r>
+            <a:r>
+              <a:rPr lang="en-CA" b="1" u="sng" dirty="0">
+                <a:solidFill>
+                  <a:schemeClr val="accent1"/>
+                </a:solidFill>
+                <a:sym typeface="Wingdings" pitchFamily="2" charset="2"/>
+              </a:rPr>
+              <a:t></a:t>
+            </a:r>
+            <a:endParaRPr lang="en-CA" b="1" u="sng" dirty="0">
+              <a:solidFill>
+                <a:schemeClr val="accent1"/>
+              </a:solidFill>
+            </a:endParaRPr>
           </a:p>
         </p:txBody>
       </p:sp>
@@ -8288,25 +8638,6 @@
             </a:r>
           </a:p>
           <a:p>
-            <a:pPr lvl="1"/>
-            <a:r>
-              <a:rPr lang="en-US" b="1" dirty="0"/>
-              <a:t>Reading</a:t>
-            </a:r>
-            <a:r>
-              <a:rPr lang="en-US" b="1" dirty="0">
-                <a:solidFill>
-                  <a:schemeClr val="accent1"/>
-                </a:solidFill>
-              </a:rPr>
-              <a:t>:</a:t>
-            </a:r>
-            <a:r>
-              <a:rPr lang="en-US" b="1" dirty="0"/>
-              <a:t> 11</a:t>
-            </a:r>
-          </a:p>
-          <a:p>
             <a:r>
               <a:rPr lang="en-US" b="1" dirty="0"/>
               <a:t>Lecture </a:t>
@@ -8325,13 +8656,6 @@
             <a:r>
               <a:rPr lang="en-US" dirty="0"/>
               <a:t>dictionaries</a:t>
-            </a:r>
-          </a:p>
-          <a:p>
-            <a:pPr lvl="1"/>
-            <a:r>
-              <a:rPr lang="en-US" dirty="0"/>
-              <a:t>Reading: 11</a:t>
             </a:r>
           </a:p>
           <a:p>
@@ -10976,7 +11300,7 @@
         <p:spPr>
           <a:xfrm>
             <a:off x="8047495" y="3321773"/>
-            <a:ext cx="3831956" cy="2985433"/>
+            <a:ext cx="3831956" cy="3231654"/>
           </a:xfrm>
           <a:prstGeom prst="rect">
             <a:avLst/>
@@ -11015,12 +11339,20 @@
               <a:t>1. </a:t>
             </a:r>
             <a:r>
+              <a:rPr lang="en-US" sz="2000" b="1" dirty="0">
+                <a:solidFill>
+                  <a:srgbClr val="FFFFFF"/>
+                </a:solidFill>
+              </a:rPr>
+              <a:t>birthday </a:t>
+            </a:r>
+            <a:r>
               <a:rPr lang="en-US" sz="2000" dirty="0">
                 <a:solidFill>
                   <a:srgbClr val="FFFFFF"/>
                 </a:solidFill>
               </a:rPr>
-              <a:t>Can only ever have 3 items</a:t>
+              <a:t>can only ever have 3 items</a:t>
             </a:r>
             <a:r>
               <a:rPr lang="en-US" sz="2000" dirty="0">

--- a/lectures/week8/lecture1/slides/week8_lecture1.pptx
+++ b/lectures/week8/lecture1/slides/week8_lecture1.pptx
@@ -2375,8 +2375,8 @@
         </p:blipFill>
         <p:spPr>
           <a:xfrm>
-            <a:off x="7916548" y="1717964"/>
-            <a:ext cx="4077611" cy="3924318"/>
+            <a:off x="7846931" y="1717964"/>
+            <a:ext cx="4345069" cy="4181721"/>
           </a:xfrm>
           <a:prstGeom prst="rect">
             <a:avLst/>
@@ -2397,8 +2397,8 @@
         </p:nvSpPr>
         <p:spPr>
           <a:xfrm rot="20081508">
-            <a:off x="6673486" y="1845495"/>
-            <a:ext cx="3669594" cy="369332"/>
+            <a:off x="6391492" y="1845495"/>
+            <a:ext cx="4233595" cy="369332"/>
           </a:xfrm>
           <a:prstGeom prst="rect">
             <a:avLst/>
@@ -2429,7 +2429,7 @@
                   <a:schemeClr val="accent1"/>
                 </a:solidFill>
               </a:rPr>
-              <a:t> for use on APS106 exams </a:t>
+              <a:t> an official APS106 study guide </a:t>
             </a:r>
             <a:r>
               <a:rPr lang="en-CA" b="1" u="sng" dirty="0">
